--- a/Wordle.pptx
+++ b/Wordle.pptx
@@ -6,8 +6,11 @@
   </p:sldMasterIdLst>
   <p:sldIdLst>
     <p:sldId id="256" r:id="rId2"/>
-    <p:sldId id="257" r:id="rId3"/>
-    <p:sldId id="258" r:id="rId4"/>
+    <p:sldId id="259" r:id="rId3"/>
+    <p:sldId id="257" r:id="rId4"/>
+    <p:sldId id="258" r:id="rId5"/>
+    <p:sldId id="260" r:id="rId6"/>
+    <p:sldId id="261" r:id="rId7"/>
   </p:sldIdLst>
   <p:sldSz cx="12192000" cy="6858000"/>
   <p:notesSz cx="6858000" cy="9144000"/>
@@ -106,6 +109,11 @@
       </a:defRPr>
     </a:lvl9pPr>
   </p:defaultTextStyle>
+  <p:extLst>
+    <p:ext uri="{EFAFB233-063F-42B5-8137-9DF3F51BA10A}">
+      <p15:sldGuideLst xmlns:p15="http://schemas.microsoft.com/office/powerpoint/2012/main"/>
+    </p:ext>
+  </p:extLst>
 </p:presentation>
 </file>
 
@@ -3058,7 +3066,7 @@
           <p:cNvPr id="2" name="Title 1">
             <a:extLst>
               <a:ext uri="{FF2B5EF4-FFF2-40B4-BE49-F238E27FC236}">
-                <a16:creationId xmlns:a16="http://schemas.microsoft.com/office/drawing/2014/main" id="{C9B346A5-6077-52B4-5583-7A922E8E4397}"/>
+                <a16:creationId xmlns:a16="http://schemas.microsoft.com/office/drawing/2014/main" id="{D2219223-2FD8-031E-A6D4-7644F3F406EB}"/>
               </a:ext>
             </a:extLst>
           </p:cNvPr>
@@ -3076,840 +3084,15 @@
           <a:p>
             <a:r>
               <a:rPr lang="da-DK" dirty="0"/>
-              <a:t>Respons</a:t>
-            </a:r>
-          </a:p>
-        </p:txBody>
-      </p:sp>
-      <p:sp>
-        <p:nvSpPr>
-          <p:cNvPr id="4" name="TextBox 3">
-            <a:extLst>
-              <a:ext uri="{FF2B5EF4-FFF2-40B4-BE49-F238E27FC236}">
-                <a16:creationId xmlns:a16="http://schemas.microsoft.com/office/drawing/2014/main" id="{99DF428E-C6CF-D8F7-0412-929682A4DAB3}"/>
-              </a:ext>
-            </a:extLst>
-          </p:cNvPr>
-          <p:cNvSpPr txBox="1"/>
-          <p:nvPr/>
-        </p:nvSpPr>
-        <p:spPr>
-          <a:xfrm>
-            <a:off x="1003570" y="1690688"/>
-            <a:ext cx="10350230" cy="4524315"/>
-          </a:xfrm>
-          <a:prstGeom prst="rect">
-            <a:avLst/>
-          </a:prstGeom>
-          <a:noFill/>
-        </p:spPr>
-        <p:txBody>
-          <a:bodyPr wrap="square" rtlCol="0">
-            <a:spAutoFit/>
-          </a:bodyPr>
-          <a:lstStyle/>
-          <a:p>
-            <a:r>
-              <a:rPr lang="da-DK" b="0" dirty="0">
-                <a:solidFill>
-                  <a:srgbClr val="569CD6"/>
-                </a:solidFill>
-                <a:effectLst/>
-                <a:latin typeface="Cascadia Code" panose="020B0609020000020004" pitchFamily="49" charset="0"/>
-              </a:rPr>
-              <a:t>public</a:t>
-            </a:r>
-            <a:r>
-              <a:rPr lang="da-DK" b="0" dirty="0">
-                <a:solidFill>
-                  <a:srgbClr val="D4D4D4"/>
-                </a:solidFill>
-                <a:effectLst/>
-                <a:latin typeface="Cascadia Code" panose="020B0609020000020004" pitchFamily="49" charset="0"/>
-              </a:rPr>
-              <a:t> (</a:t>
-            </a:r>
-            <a:r>
-              <a:rPr lang="da-DK" b="0" dirty="0">
-                <a:solidFill>
-                  <a:srgbClr val="4EC9B0"/>
-                </a:solidFill>
-                <a:effectLst/>
-                <a:latin typeface="Cascadia Code" panose="020B0609020000020004" pitchFamily="49" charset="0"/>
-              </a:rPr>
-              <a:t>ConsoleColor</a:t>
-            </a:r>
-            <a:r>
-              <a:rPr lang="da-DK" b="0" dirty="0">
-                <a:solidFill>
-                  <a:srgbClr val="D4D4D4"/>
-                </a:solidFill>
-                <a:effectLst/>
-                <a:latin typeface="Cascadia Code" panose="020B0609020000020004" pitchFamily="49" charset="0"/>
-              </a:rPr>
-              <a:t>, </a:t>
-            </a:r>
-            <a:r>
-              <a:rPr lang="da-DK" b="0" dirty="0">
-                <a:solidFill>
-                  <a:srgbClr val="569CD6"/>
-                </a:solidFill>
-                <a:effectLst/>
-                <a:latin typeface="Cascadia Code" panose="020B0609020000020004" pitchFamily="49" charset="0"/>
-              </a:rPr>
-              <a:t>char</a:t>
-            </a:r>
-            <a:r>
-              <a:rPr lang="da-DK" b="0" dirty="0">
-                <a:solidFill>
-                  <a:srgbClr val="D4D4D4"/>
-                </a:solidFill>
-                <a:effectLst/>
-                <a:latin typeface="Cascadia Code" panose="020B0609020000020004" pitchFamily="49" charset="0"/>
-              </a:rPr>
-              <a:t>)[] </a:t>
-            </a:r>
-            <a:r>
-              <a:rPr lang="da-DK" b="0" dirty="0">
-                <a:solidFill>
-                  <a:srgbClr val="DCDCAA"/>
-                </a:solidFill>
-                <a:effectLst/>
-                <a:latin typeface="Cascadia Code" panose="020B0609020000020004" pitchFamily="49" charset="0"/>
-              </a:rPr>
-              <a:t>NewGuess</a:t>
-            </a:r>
-            <a:r>
-              <a:rPr lang="da-DK" b="0" dirty="0">
-                <a:solidFill>
-                  <a:srgbClr val="D4D4D4"/>
-                </a:solidFill>
-                <a:effectLst/>
-                <a:latin typeface="Cascadia Code" panose="020B0609020000020004" pitchFamily="49" charset="0"/>
-              </a:rPr>
-              <a:t>(</a:t>
-            </a:r>
-            <a:r>
-              <a:rPr lang="da-DK" b="0" dirty="0">
-                <a:solidFill>
-                  <a:srgbClr val="569CD6"/>
-                </a:solidFill>
-                <a:effectLst/>
-                <a:latin typeface="Cascadia Code" panose="020B0609020000020004" pitchFamily="49" charset="0"/>
-              </a:rPr>
-              <a:t>string</a:t>
-            </a:r>
-            <a:r>
-              <a:rPr lang="da-DK" b="0" dirty="0">
-                <a:solidFill>
-                  <a:srgbClr val="D4D4D4"/>
-                </a:solidFill>
-                <a:effectLst/>
-                <a:latin typeface="Cascadia Code" panose="020B0609020000020004" pitchFamily="49" charset="0"/>
-              </a:rPr>
-              <a:t> </a:t>
-            </a:r>
-            <a:r>
-              <a:rPr lang="da-DK" b="0" dirty="0">
-                <a:solidFill>
-                  <a:srgbClr val="9CDCFE"/>
-                </a:solidFill>
-                <a:effectLst/>
-                <a:latin typeface="Cascadia Code" panose="020B0609020000020004" pitchFamily="49" charset="0"/>
-              </a:rPr>
-              <a:t>guess</a:t>
-            </a:r>
-            <a:r>
-              <a:rPr lang="da-DK" b="0" dirty="0">
-                <a:solidFill>
-                  <a:srgbClr val="D4D4D4"/>
-                </a:solidFill>
-                <a:effectLst/>
-                <a:latin typeface="Cascadia Code" panose="020B0609020000020004" pitchFamily="49" charset="0"/>
-              </a:rPr>
-              <a:t>)</a:t>
-            </a:r>
-          </a:p>
-          <a:p>
-            <a:r>
-              <a:rPr lang="da-DK" b="0" dirty="0">
-                <a:solidFill>
-                  <a:srgbClr val="D4D4D4"/>
-                </a:solidFill>
-                <a:effectLst/>
-                <a:latin typeface="Cascadia Code" panose="020B0609020000020004" pitchFamily="49" charset="0"/>
-              </a:rPr>
-              <a:t>    {</a:t>
-            </a:r>
-          </a:p>
-          <a:p>
-            <a:r>
-              <a:rPr lang="da-DK" b="0" dirty="0">
-                <a:solidFill>
-                  <a:srgbClr val="D4D4D4"/>
-                </a:solidFill>
-                <a:effectLst/>
-                <a:latin typeface="Cascadia Code" panose="020B0609020000020004" pitchFamily="49" charset="0"/>
-              </a:rPr>
-              <a:t>		 ...</a:t>
-            </a:r>
-            <a:br>
-              <a:rPr lang="da-DK" b="0" dirty="0">
-                <a:solidFill>
-                  <a:srgbClr val="D4D4D4"/>
-                </a:solidFill>
-                <a:effectLst/>
-                <a:latin typeface="Cascadia Code" panose="020B0609020000020004" pitchFamily="49" charset="0"/>
-              </a:rPr>
-            </a:br>
-            <a:r>
-              <a:rPr lang="da-DK" b="0" dirty="0">
-                <a:solidFill>
-                  <a:srgbClr val="D4D4D4"/>
-                </a:solidFill>
-                <a:effectLst/>
-                <a:latin typeface="Cascadia Code" panose="020B0609020000020004" pitchFamily="49" charset="0"/>
-              </a:rPr>
-              <a:t>        </a:t>
-            </a:r>
-            <a:r>
-              <a:rPr lang="da-DK" b="0" dirty="0">
-                <a:solidFill>
-                  <a:srgbClr val="C586C0"/>
-                </a:solidFill>
-                <a:effectLst/>
-                <a:latin typeface="Cascadia Code" panose="020B0609020000020004" pitchFamily="49" charset="0"/>
-              </a:rPr>
-              <a:t>for</a:t>
-            </a:r>
-            <a:r>
-              <a:rPr lang="da-DK" b="0" dirty="0">
-                <a:solidFill>
-                  <a:srgbClr val="D4D4D4"/>
-                </a:solidFill>
-                <a:effectLst/>
-                <a:latin typeface="Cascadia Code" panose="020B0609020000020004" pitchFamily="49" charset="0"/>
-              </a:rPr>
-              <a:t> (</a:t>
-            </a:r>
-            <a:r>
-              <a:rPr lang="da-DK" b="0" dirty="0">
-                <a:solidFill>
-                  <a:srgbClr val="569CD6"/>
-                </a:solidFill>
-                <a:effectLst/>
-                <a:latin typeface="Cascadia Code" panose="020B0609020000020004" pitchFamily="49" charset="0"/>
-              </a:rPr>
-              <a:t>int</a:t>
-            </a:r>
-            <a:r>
-              <a:rPr lang="da-DK" b="0" dirty="0">
-                <a:solidFill>
-                  <a:srgbClr val="D4D4D4"/>
-                </a:solidFill>
-                <a:effectLst/>
-                <a:latin typeface="Cascadia Code" panose="020B0609020000020004" pitchFamily="49" charset="0"/>
-              </a:rPr>
-              <a:t> </a:t>
-            </a:r>
-            <a:r>
-              <a:rPr lang="da-DK" b="0" dirty="0">
-                <a:solidFill>
-                  <a:srgbClr val="9CDCFE"/>
-                </a:solidFill>
-                <a:effectLst/>
-                <a:latin typeface="Cascadia Code" panose="020B0609020000020004" pitchFamily="49" charset="0"/>
-              </a:rPr>
-              <a:t>i</a:t>
-            </a:r>
-            <a:r>
-              <a:rPr lang="da-DK" b="0" dirty="0">
-                <a:solidFill>
-                  <a:srgbClr val="D4D4D4"/>
-                </a:solidFill>
-                <a:effectLst/>
-                <a:latin typeface="Cascadia Code" panose="020B0609020000020004" pitchFamily="49" charset="0"/>
-              </a:rPr>
-              <a:t> = </a:t>
-            </a:r>
-            <a:r>
-              <a:rPr lang="da-DK" b="0" dirty="0">
-                <a:solidFill>
-                  <a:srgbClr val="B5CEA8"/>
-                </a:solidFill>
-                <a:effectLst/>
-                <a:latin typeface="Cascadia Code" panose="020B0609020000020004" pitchFamily="49" charset="0"/>
-              </a:rPr>
-              <a:t>0</a:t>
-            </a:r>
-            <a:r>
-              <a:rPr lang="da-DK" b="0" dirty="0">
-                <a:solidFill>
-                  <a:srgbClr val="D4D4D4"/>
-                </a:solidFill>
-                <a:effectLst/>
-                <a:latin typeface="Cascadia Code" panose="020B0609020000020004" pitchFamily="49" charset="0"/>
-              </a:rPr>
-              <a:t>; </a:t>
-            </a:r>
-            <a:r>
-              <a:rPr lang="da-DK" b="0" dirty="0">
-                <a:solidFill>
-                  <a:srgbClr val="9CDCFE"/>
-                </a:solidFill>
-                <a:effectLst/>
-                <a:latin typeface="Cascadia Code" panose="020B0609020000020004" pitchFamily="49" charset="0"/>
-              </a:rPr>
-              <a:t>i</a:t>
-            </a:r>
-            <a:r>
-              <a:rPr lang="da-DK" b="0" dirty="0">
-                <a:solidFill>
-                  <a:srgbClr val="D4D4D4"/>
-                </a:solidFill>
-                <a:effectLst/>
-                <a:latin typeface="Cascadia Code" panose="020B0609020000020004" pitchFamily="49" charset="0"/>
-              </a:rPr>
-              <a:t> &lt; </a:t>
-            </a:r>
-            <a:r>
-              <a:rPr lang="da-DK" b="0" dirty="0">
-                <a:solidFill>
-                  <a:srgbClr val="B5CEA8"/>
-                </a:solidFill>
-                <a:effectLst/>
-                <a:latin typeface="Cascadia Code" panose="020B0609020000020004" pitchFamily="49" charset="0"/>
-              </a:rPr>
-              <a:t>5</a:t>
-            </a:r>
-            <a:r>
-              <a:rPr lang="da-DK" b="0" dirty="0">
-                <a:solidFill>
-                  <a:srgbClr val="D4D4D4"/>
-                </a:solidFill>
-                <a:effectLst/>
-                <a:latin typeface="Cascadia Code" panose="020B0609020000020004" pitchFamily="49" charset="0"/>
-              </a:rPr>
-              <a:t>; </a:t>
-            </a:r>
-            <a:r>
-              <a:rPr lang="da-DK" b="0" dirty="0">
-                <a:solidFill>
-                  <a:srgbClr val="9CDCFE"/>
-                </a:solidFill>
-                <a:effectLst/>
-                <a:latin typeface="Cascadia Code" panose="020B0609020000020004" pitchFamily="49" charset="0"/>
-              </a:rPr>
-              <a:t>i</a:t>
-            </a:r>
-            <a:r>
-              <a:rPr lang="da-DK" b="0" dirty="0">
-                <a:solidFill>
-                  <a:srgbClr val="D4D4D4"/>
-                </a:solidFill>
-                <a:effectLst/>
-                <a:latin typeface="Cascadia Code" panose="020B0609020000020004" pitchFamily="49" charset="0"/>
-              </a:rPr>
-              <a:t>++)</a:t>
-            </a:r>
-          </a:p>
-          <a:p>
-            <a:r>
-              <a:rPr lang="da-DK" b="0" dirty="0">
-                <a:solidFill>
-                  <a:srgbClr val="D4D4D4"/>
-                </a:solidFill>
-                <a:effectLst/>
-                <a:latin typeface="Cascadia Code" panose="020B0609020000020004" pitchFamily="49" charset="0"/>
-              </a:rPr>
-              <a:t>        {</a:t>
-            </a:r>
-          </a:p>
-          <a:p>
-            <a:r>
-              <a:rPr lang="da-DK" b="0" dirty="0">
-                <a:solidFill>
-                  <a:srgbClr val="D4D4D4"/>
-                </a:solidFill>
-                <a:effectLst/>
-                <a:latin typeface="Cascadia Code" panose="020B0609020000020004" pitchFamily="49" charset="0"/>
-              </a:rPr>
-              <a:t>            </a:t>
-            </a:r>
-            <a:r>
-              <a:rPr lang="da-DK" b="0" dirty="0">
-                <a:solidFill>
-                  <a:srgbClr val="C586C0"/>
-                </a:solidFill>
-                <a:effectLst/>
-                <a:latin typeface="Cascadia Code" panose="020B0609020000020004" pitchFamily="49" charset="0"/>
-              </a:rPr>
-              <a:t>if</a:t>
-            </a:r>
-            <a:r>
-              <a:rPr lang="da-DK" b="0" dirty="0">
-                <a:solidFill>
-                  <a:srgbClr val="D4D4D4"/>
-                </a:solidFill>
-                <a:effectLst/>
-                <a:latin typeface="Cascadia Code" panose="020B0609020000020004" pitchFamily="49" charset="0"/>
-              </a:rPr>
-              <a:t> (</a:t>
-            </a:r>
-            <a:r>
-              <a:rPr lang="da-DK" b="0" dirty="0">
-                <a:solidFill>
-                  <a:srgbClr val="9CDCFE"/>
-                </a:solidFill>
-                <a:effectLst/>
-                <a:latin typeface="Cascadia Code" panose="020B0609020000020004" pitchFamily="49" charset="0"/>
-              </a:rPr>
-              <a:t>guessChars</a:t>
-            </a:r>
-            <a:r>
-              <a:rPr lang="da-DK" b="0" dirty="0">
-                <a:solidFill>
-                  <a:srgbClr val="D4D4D4"/>
-                </a:solidFill>
-                <a:effectLst/>
-                <a:latin typeface="Cascadia Code" panose="020B0609020000020004" pitchFamily="49" charset="0"/>
-              </a:rPr>
-              <a:t>[</a:t>
-            </a:r>
-            <a:r>
-              <a:rPr lang="da-DK" b="0" dirty="0">
-                <a:solidFill>
-                  <a:srgbClr val="9CDCFE"/>
-                </a:solidFill>
-                <a:effectLst/>
-                <a:latin typeface="Cascadia Code" panose="020B0609020000020004" pitchFamily="49" charset="0"/>
-              </a:rPr>
-              <a:t>i</a:t>
-            </a:r>
-            <a:r>
-              <a:rPr lang="da-DK" b="0" dirty="0">
-                <a:solidFill>
-                  <a:srgbClr val="D4D4D4"/>
-                </a:solidFill>
-                <a:effectLst/>
-                <a:latin typeface="Cascadia Code" panose="020B0609020000020004" pitchFamily="49" charset="0"/>
-              </a:rPr>
-              <a:t>] == </a:t>
-            </a:r>
-            <a:r>
-              <a:rPr lang="da-DK" b="0" dirty="0">
-                <a:solidFill>
-                  <a:srgbClr val="9CDCFE"/>
-                </a:solidFill>
-                <a:effectLst/>
-                <a:latin typeface="Cascadia Code" panose="020B0609020000020004" pitchFamily="49" charset="0"/>
-              </a:rPr>
-              <a:t>goalChars</a:t>
-            </a:r>
-            <a:r>
-              <a:rPr lang="da-DK" b="0" dirty="0">
-                <a:solidFill>
-                  <a:srgbClr val="D4D4D4"/>
-                </a:solidFill>
-                <a:effectLst/>
-                <a:latin typeface="Cascadia Code" panose="020B0609020000020004" pitchFamily="49" charset="0"/>
-              </a:rPr>
-              <a:t>[</a:t>
-            </a:r>
-            <a:r>
-              <a:rPr lang="da-DK" b="0" dirty="0">
-                <a:solidFill>
-                  <a:srgbClr val="9CDCFE"/>
-                </a:solidFill>
-                <a:effectLst/>
-                <a:latin typeface="Cascadia Code" panose="020B0609020000020004" pitchFamily="49" charset="0"/>
-              </a:rPr>
-              <a:t>i</a:t>
-            </a:r>
-            <a:r>
-              <a:rPr lang="da-DK" b="0" dirty="0">
-                <a:solidFill>
-                  <a:srgbClr val="D4D4D4"/>
-                </a:solidFill>
-                <a:effectLst/>
-                <a:latin typeface="Cascadia Code" panose="020B0609020000020004" pitchFamily="49" charset="0"/>
-              </a:rPr>
-              <a:t>])</a:t>
-            </a:r>
-          </a:p>
-          <a:p>
-            <a:r>
-              <a:rPr lang="da-DK" b="0" dirty="0">
-                <a:solidFill>
-                  <a:srgbClr val="D4D4D4"/>
-                </a:solidFill>
-                <a:effectLst/>
-                <a:latin typeface="Cascadia Code" panose="020B0609020000020004" pitchFamily="49" charset="0"/>
-              </a:rPr>
-              <a:t>            {</a:t>
-            </a:r>
-          </a:p>
-          <a:p>
-            <a:r>
-              <a:rPr lang="da-DK" b="0" dirty="0">
-                <a:solidFill>
-                  <a:srgbClr val="D4D4D4"/>
-                </a:solidFill>
-                <a:effectLst/>
-                <a:latin typeface="Cascadia Code" panose="020B0609020000020004" pitchFamily="49" charset="0"/>
-              </a:rPr>
-              <a:t>                </a:t>
-            </a:r>
-            <a:r>
-              <a:rPr lang="da-DK" b="0" dirty="0">
-                <a:solidFill>
-                  <a:srgbClr val="9CDCFE"/>
-                </a:solidFill>
-                <a:effectLst/>
-                <a:latin typeface="Cascadia Code" panose="020B0609020000020004" pitchFamily="49" charset="0"/>
-              </a:rPr>
-              <a:t>result</a:t>
-            </a:r>
-            <a:r>
-              <a:rPr lang="da-DK" b="0" dirty="0">
-                <a:solidFill>
-                  <a:srgbClr val="D4D4D4"/>
-                </a:solidFill>
-                <a:effectLst/>
-                <a:latin typeface="Cascadia Code" panose="020B0609020000020004" pitchFamily="49" charset="0"/>
-              </a:rPr>
-              <a:t>[</a:t>
-            </a:r>
-            <a:r>
-              <a:rPr lang="da-DK" b="0" dirty="0">
-                <a:solidFill>
-                  <a:srgbClr val="9CDCFE"/>
-                </a:solidFill>
-                <a:effectLst/>
-                <a:latin typeface="Cascadia Code" panose="020B0609020000020004" pitchFamily="49" charset="0"/>
-              </a:rPr>
-              <a:t>i</a:t>
-            </a:r>
-            <a:r>
-              <a:rPr lang="da-DK" b="0" dirty="0">
-                <a:solidFill>
-                  <a:srgbClr val="D4D4D4"/>
-                </a:solidFill>
-                <a:effectLst/>
-                <a:latin typeface="Cascadia Code" panose="020B0609020000020004" pitchFamily="49" charset="0"/>
-              </a:rPr>
-              <a:t>] = (</a:t>
-            </a:r>
-            <a:r>
-              <a:rPr lang="da-DK" b="0" dirty="0">
-                <a:solidFill>
-                  <a:srgbClr val="4EC9B0"/>
-                </a:solidFill>
-                <a:effectLst/>
-                <a:latin typeface="Cascadia Code" panose="020B0609020000020004" pitchFamily="49" charset="0"/>
-              </a:rPr>
-              <a:t>ConsoleColor</a:t>
-            </a:r>
-            <a:r>
-              <a:rPr lang="da-DK" b="0" dirty="0">
-                <a:solidFill>
-                  <a:srgbClr val="D4D4D4"/>
-                </a:solidFill>
-                <a:effectLst/>
-                <a:latin typeface="Cascadia Code" panose="020B0609020000020004" pitchFamily="49" charset="0"/>
-              </a:rPr>
-              <a:t>.</a:t>
-            </a:r>
-            <a:r>
-              <a:rPr lang="da-DK" b="0" dirty="0">
-                <a:solidFill>
-                  <a:srgbClr val="4FC1FF"/>
-                </a:solidFill>
-                <a:effectLst/>
-                <a:latin typeface="Cascadia Code" panose="020B0609020000020004" pitchFamily="49" charset="0"/>
-              </a:rPr>
-              <a:t>Green</a:t>
-            </a:r>
-            <a:r>
-              <a:rPr lang="da-DK" b="0" dirty="0">
-                <a:solidFill>
-                  <a:srgbClr val="D4D4D4"/>
-                </a:solidFill>
-                <a:effectLst/>
-                <a:latin typeface="Cascadia Code" panose="020B0609020000020004" pitchFamily="49" charset="0"/>
-              </a:rPr>
-              <a:t>, </a:t>
-            </a:r>
-            <a:r>
-              <a:rPr lang="da-DK" b="0" dirty="0">
-                <a:solidFill>
-                  <a:srgbClr val="9CDCFE"/>
-                </a:solidFill>
-                <a:effectLst/>
-                <a:latin typeface="Cascadia Code" panose="020B0609020000020004" pitchFamily="49" charset="0"/>
-              </a:rPr>
-              <a:t>guessChars</a:t>
-            </a:r>
-            <a:r>
-              <a:rPr lang="da-DK" b="0" dirty="0">
-                <a:solidFill>
-                  <a:srgbClr val="D4D4D4"/>
-                </a:solidFill>
-                <a:effectLst/>
-                <a:latin typeface="Cascadia Code" panose="020B0609020000020004" pitchFamily="49" charset="0"/>
-              </a:rPr>
-              <a:t>[</a:t>
-            </a:r>
-            <a:r>
-              <a:rPr lang="da-DK" b="0" dirty="0">
-                <a:solidFill>
-                  <a:srgbClr val="9CDCFE"/>
-                </a:solidFill>
-                <a:effectLst/>
-                <a:latin typeface="Cascadia Code" panose="020B0609020000020004" pitchFamily="49" charset="0"/>
-              </a:rPr>
-              <a:t>i</a:t>
-            </a:r>
-            <a:r>
-              <a:rPr lang="da-DK" b="0" dirty="0">
-                <a:solidFill>
-                  <a:srgbClr val="D4D4D4"/>
-                </a:solidFill>
-                <a:effectLst/>
-                <a:latin typeface="Cascadia Code" panose="020B0609020000020004" pitchFamily="49" charset="0"/>
-              </a:rPr>
-              <a:t>]);</a:t>
-            </a:r>
-          </a:p>
-          <a:p>
-            <a:r>
-              <a:rPr lang="da-DK" b="0" dirty="0">
-                <a:solidFill>
-                  <a:srgbClr val="D4D4D4"/>
-                </a:solidFill>
-                <a:effectLst/>
-                <a:latin typeface="Cascadia Code" panose="020B0609020000020004" pitchFamily="49" charset="0"/>
-              </a:rPr>
-              <a:t>                </a:t>
-            </a:r>
-            <a:r>
-              <a:rPr lang="da-DK" b="0" dirty="0">
-                <a:solidFill>
-                  <a:srgbClr val="9CDCFE"/>
-                </a:solidFill>
-                <a:effectLst/>
-                <a:latin typeface="Cascadia Code" panose="020B0609020000020004" pitchFamily="49" charset="0"/>
-              </a:rPr>
-              <a:t>goalChars</a:t>
-            </a:r>
-            <a:r>
-              <a:rPr lang="da-DK" b="0" dirty="0">
-                <a:solidFill>
-                  <a:srgbClr val="D4D4D4"/>
-                </a:solidFill>
-                <a:effectLst/>
-                <a:latin typeface="Cascadia Code" panose="020B0609020000020004" pitchFamily="49" charset="0"/>
-              </a:rPr>
-              <a:t>[</a:t>
-            </a:r>
-            <a:r>
-              <a:rPr lang="da-DK" b="0" dirty="0">
-                <a:solidFill>
-                  <a:srgbClr val="9CDCFE"/>
-                </a:solidFill>
-                <a:effectLst/>
-                <a:latin typeface="Cascadia Code" panose="020B0609020000020004" pitchFamily="49" charset="0"/>
-              </a:rPr>
-              <a:t>i</a:t>
-            </a:r>
-            <a:r>
-              <a:rPr lang="da-DK" b="0" dirty="0">
-                <a:solidFill>
-                  <a:srgbClr val="D4D4D4"/>
-                </a:solidFill>
-                <a:effectLst/>
-                <a:latin typeface="Cascadia Code" panose="020B0609020000020004" pitchFamily="49" charset="0"/>
-              </a:rPr>
-              <a:t>] = </a:t>
-            </a:r>
-            <a:r>
-              <a:rPr lang="da-DK" b="0" dirty="0">
-                <a:solidFill>
-                  <a:srgbClr val="CE9178"/>
-                </a:solidFill>
-                <a:effectLst/>
-                <a:latin typeface="Cascadia Code" panose="020B0609020000020004" pitchFamily="49" charset="0"/>
-              </a:rPr>
-              <a:t>' '</a:t>
-            </a:r>
-            <a:r>
-              <a:rPr lang="da-DK" b="0" dirty="0">
-                <a:solidFill>
-                  <a:srgbClr val="D4D4D4"/>
-                </a:solidFill>
-                <a:effectLst/>
-                <a:latin typeface="Cascadia Code" panose="020B0609020000020004" pitchFamily="49" charset="0"/>
-              </a:rPr>
-              <a:t>;</a:t>
-            </a:r>
-          </a:p>
-          <a:p>
-            <a:r>
-              <a:rPr lang="da-DK" b="0" dirty="0">
-                <a:solidFill>
-                  <a:srgbClr val="D4D4D4"/>
-                </a:solidFill>
-                <a:effectLst/>
-                <a:latin typeface="Cascadia Code" panose="020B0609020000020004" pitchFamily="49" charset="0"/>
-              </a:rPr>
-              <a:t>                </a:t>
-            </a:r>
-            <a:r>
-              <a:rPr lang="da-DK" b="0" dirty="0">
-                <a:solidFill>
-                  <a:srgbClr val="C586C0"/>
-                </a:solidFill>
-                <a:effectLst/>
-                <a:latin typeface="Cascadia Code" panose="020B0609020000020004" pitchFamily="49" charset="0"/>
-              </a:rPr>
-              <a:t>continue</a:t>
-            </a:r>
-            <a:r>
-              <a:rPr lang="da-DK" b="0" dirty="0">
-                <a:solidFill>
-                  <a:srgbClr val="D4D4D4"/>
-                </a:solidFill>
-                <a:effectLst/>
-                <a:latin typeface="Cascadia Code" panose="020B0609020000020004" pitchFamily="49" charset="0"/>
-              </a:rPr>
-              <a:t>;</a:t>
-            </a:r>
-          </a:p>
-          <a:p>
-            <a:r>
-              <a:rPr lang="da-DK" b="0" dirty="0">
-                <a:solidFill>
-                  <a:srgbClr val="D4D4D4"/>
-                </a:solidFill>
-                <a:effectLst/>
-                <a:latin typeface="Cascadia Code" panose="020B0609020000020004" pitchFamily="49" charset="0"/>
-              </a:rPr>
-              <a:t>            }</a:t>
-            </a:r>
-          </a:p>
-          <a:p>
-            <a:r>
-              <a:rPr lang="da-DK" dirty="0">
-                <a:solidFill>
-                  <a:srgbClr val="D4D4D4"/>
-                </a:solidFill>
-                <a:latin typeface="Cascadia Code" panose="020B0609020000020004" pitchFamily="49" charset="0"/>
-              </a:rPr>
-              <a:t>			 </a:t>
-            </a:r>
-            <a:r>
-              <a:rPr lang="da-DK" b="0" dirty="0">
-                <a:solidFill>
-                  <a:srgbClr val="6A9955"/>
-                </a:solidFill>
-                <a:effectLst/>
-                <a:latin typeface="Cascadia Code" panose="020B0609020000020004" pitchFamily="49" charset="0"/>
-              </a:rPr>
-              <a:t>// Håntering af dele af gættet der ikke er perfekt</a:t>
-            </a:r>
-            <a:endParaRPr lang="da-DK" b="0" dirty="0">
-              <a:solidFill>
-                <a:srgbClr val="D4D4D4"/>
-              </a:solidFill>
-              <a:effectLst/>
-              <a:latin typeface="Cascadia Code" panose="020B0609020000020004" pitchFamily="49" charset="0"/>
-            </a:endParaRPr>
-          </a:p>
-          <a:p>
-            <a:r>
-              <a:rPr lang="da-DK" b="0" dirty="0">
-                <a:solidFill>
-                  <a:srgbClr val="D4D4D4"/>
-                </a:solidFill>
-                <a:effectLst/>
-                <a:latin typeface="Cascadia Code" panose="020B0609020000020004" pitchFamily="49" charset="0"/>
-              </a:rPr>
-              <a:t>        }</a:t>
-            </a:r>
-          </a:p>
-          <a:p>
-            <a:r>
-              <a:rPr lang="da-DK" b="0" dirty="0">
-                <a:solidFill>
-                  <a:srgbClr val="D4D4D4"/>
-                </a:solidFill>
-                <a:effectLst/>
-                <a:latin typeface="Cascadia Code" panose="020B0609020000020004" pitchFamily="49" charset="0"/>
-              </a:rPr>
-              <a:t>        </a:t>
-            </a:r>
-            <a:r>
-              <a:rPr lang="da-DK" b="0" dirty="0">
-                <a:solidFill>
-                  <a:srgbClr val="C586C0"/>
-                </a:solidFill>
-                <a:effectLst/>
-                <a:latin typeface="Cascadia Code" panose="020B0609020000020004" pitchFamily="49" charset="0"/>
-              </a:rPr>
-              <a:t>return</a:t>
-            </a:r>
-            <a:r>
-              <a:rPr lang="da-DK" b="0" dirty="0">
-                <a:solidFill>
-                  <a:srgbClr val="D4D4D4"/>
-                </a:solidFill>
-                <a:effectLst/>
-                <a:latin typeface="Cascadia Code" panose="020B0609020000020004" pitchFamily="49" charset="0"/>
-              </a:rPr>
-              <a:t> </a:t>
-            </a:r>
-            <a:r>
-              <a:rPr lang="da-DK" b="0" dirty="0">
-                <a:solidFill>
-                  <a:srgbClr val="9CDCFE"/>
-                </a:solidFill>
-                <a:effectLst/>
-                <a:latin typeface="Cascadia Code" panose="020B0609020000020004" pitchFamily="49" charset="0"/>
-              </a:rPr>
-              <a:t>result</a:t>
-            </a:r>
-            <a:r>
-              <a:rPr lang="da-DK" b="0" dirty="0">
-                <a:solidFill>
-                  <a:srgbClr val="D4D4D4"/>
-                </a:solidFill>
-                <a:effectLst/>
-                <a:latin typeface="Cascadia Code" panose="020B0609020000020004" pitchFamily="49" charset="0"/>
-              </a:rPr>
-              <a:t>;</a:t>
-            </a:r>
-          </a:p>
-          <a:p>
-            <a:r>
-              <a:rPr lang="da-DK" b="0" dirty="0">
-                <a:solidFill>
-                  <a:srgbClr val="D4D4D4"/>
-                </a:solidFill>
-                <a:effectLst/>
-                <a:latin typeface="Cascadia Code" panose="020B0609020000020004" pitchFamily="49" charset="0"/>
-              </a:rPr>
-              <a:t>    }</a:t>
-            </a:r>
-          </a:p>
-          <a:p>
-            <a:endParaRPr lang="da-DK" dirty="0"/>
+              <a:t>Demo</a:t>
+            </a:r>
           </a:p>
         </p:txBody>
       </p:sp>
     </p:spTree>
     <p:extLst>
       <p:ext uri="{BB962C8B-B14F-4D97-AF65-F5344CB8AC3E}">
-        <p14:creationId xmlns:p14="http://schemas.microsoft.com/office/powerpoint/2010/main" val="1810429655"/>
+        <p14:creationId xmlns:p14="http://schemas.microsoft.com/office/powerpoint/2010/main" val="643873378"/>
       </p:ext>
     </p:extLst>
   </p:cSld>
@@ -3941,6 +3124,889 @@
           <p:cNvPr id="2" name="Title 1">
             <a:extLst>
               <a:ext uri="{FF2B5EF4-FFF2-40B4-BE49-F238E27FC236}">
+                <a16:creationId xmlns:a16="http://schemas.microsoft.com/office/drawing/2014/main" id="{C9B346A5-6077-52B4-5583-7A922E8E4397}"/>
+              </a:ext>
+            </a:extLst>
+          </p:cNvPr>
+          <p:cNvSpPr>
+            <a:spLocks noGrp="1"/>
+          </p:cNvSpPr>
+          <p:nvPr>
+            <p:ph type="title"/>
+          </p:nvPr>
+        </p:nvSpPr>
+        <p:spPr/>
+        <p:txBody>
+          <a:bodyPr/>
+          <a:lstStyle/>
+          <a:p>
+            <a:r>
+              <a:rPr lang="da-DK" dirty="0"/>
+              <a:t>Respons</a:t>
+            </a:r>
+          </a:p>
+        </p:txBody>
+      </p:sp>
+      <p:sp>
+        <p:nvSpPr>
+          <p:cNvPr id="4" name="TextBox 3">
+            <a:extLst>
+              <a:ext uri="{FF2B5EF4-FFF2-40B4-BE49-F238E27FC236}">
+                <a16:creationId xmlns:a16="http://schemas.microsoft.com/office/drawing/2014/main" id="{99DF428E-C6CF-D8F7-0412-929682A4DAB3}"/>
+              </a:ext>
+            </a:extLst>
+          </p:cNvPr>
+          <p:cNvSpPr txBox="1"/>
+          <p:nvPr/>
+        </p:nvSpPr>
+        <p:spPr>
+          <a:xfrm>
+            <a:off x="1003570" y="1690688"/>
+            <a:ext cx="10350230" cy="4524315"/>
+          </a:xfrm>
+          <a:prstGeom prst="rect">
+            <a:avLst/>
+          </a:prstGeom>
+          <a:noFill/>
+        </p:spPr>
+        <p:txBody>
+          <a:bodyPr wrap="square" rtlCol="0">
+            <a:spAutoFit/>
+          </a:bodyPr>
+          <a:lstStyle/>
+          <a:p>
+            <a:r>
+              <a:rPr lang="da-DK" b="0" dirty="0">
+                <a:solidFill>
+                  <a:srgbClr val="569CD6"/>
+                </a:solidFill>
+                <a:effectLst/>
+                <a:latin typeface="Cascadia Code" panose="020B0609020000020004" pitchFamily="49" charset="0"/>
+              </a:rPr>
+              <a:t>public</a:t>
+            </a:r>
+            <a:r>
+              <a:rPr lang="da-DK" b="0" dirty="0">
+                <a:solidFill>
+                  <a:srgbClr val="D4D4D4"/>
+                </a:solidFill>
+                <a:effectLst/>
+                <a:latin typeface="Cascadia Code" panose="020B0609020000020004" pitchFamily="49" charset="0"/>
+              </a:rPr>
+              <a:t> (</a:t>
+            </a:r>
+            <a:r>
+              <a:rPr lang="da-DK" b="0" dirty="0">
+                <a:solidFill>
+                  <a:srgbClr val="4EC9B0"/>
+                </a:solidFill>
+                <a:effectLst/>
+                <a:latin typeface="Cascadia Code" panose="020B0609020000020004" pitchFamily="49" charset="0"/>
+              </a:rPr>
+              <a:t>ConsoleColor</a:t>
+            </a:r>
+            <a:r>
+              <a:rPr lang="da-DK" b="0" dirty="0">
+                <a:solidFill>
+                  <a:srgbClr val="D4D4D4"/>
+                </a:solidFill>
+                <a:effectLst/>
+                <a:latin typeface="Cascadia Code" panose="020B0609020000020004" pitchFamily="49" charset="0"/>
+              </a:rPr>
+              <a:t>, </a:t>
+            </a:r>
+            <a:r>
+              <a:rPr lang="da-DK" b="0" dirty="0">
+                <a:solidFill>
+                  <a:srgbClr val="569CD6"/>
+                </a:solidFill>
+                <a:effectLst/>
+                <a:latin typeface="Cascadia Code" panose="020B0609020000020004" pitchFamily="49" charset="0"/>
+              </a:rPr>
+              <a:t>char</a:t>
+            </a:r>
+            <a:r>
+              <a:rPr lang="da-DK" b="0" dirty="0">
+                <a:solidFill>
+                  <a:srgbClr val="D4D4D4"/>
+                </a:solidFill>
+                <a:effectLst/>
+                <a:latin typeface="Cascadia Code" panose="020B0609020000020004" pitchFamily="49" charset="0"/>
+              </a:rPr>
+              <a:t>)[] </a:t>
+            </a:r>
+            <a:r>
+              <a:rPr lang="da-DK" b="0" dirty="0">
+                <a:solidFill>
+                  <a:srgbClr val="DCDCAA"/>
+                </a:solidFill>
+                <a:effectLst/>
+                <a:latin typeface="Cascadia Code" panose="020B0609020000020004" pitchFamily="49" charset="0"/>
+              </a:rPr>
+              <a:t>NewGuess</a:t>
+            </a:r>
+            <a:r>
+              <a:rPr lang="da-DK" b="0" dirty="0">
+                <a:solidFill>
+                  <a:srgbClr val="D4D4D4"/>
+                </a:solidFill>
+                <a:effectLst/>
+                <a:latin typeface="Cascadia Code" panose="020B0609020000020004" pitchFamily="49" charset="0"/>
+              </a:rPr>
+              <a:t>(</a:t>
+            </a:r>
+            <a:r>
+              <a:rPr lang="da-DK" b="0" dirty="0">
+                <a:solidFill>
+                  <a:srgbClr val="569CD6"/>
+                </a:solidFill>
+                <a:effectLst/>
+                <a:latin typeface="Cascadia Code" panose="020B0609020000020004" pitchFamily="49" charset="0"/>
+              </a:rPr>
+              <a:t>string</a:t>
+            </a:r>
+            <a:r>
+              <a:rPr lang="da-DK" b="0" dirty="0">
+                <a:solidFill>
+                  <a:srgbClr val="D4D4D4"/>
+                </a:solidFill>
+                <a:effectLst/>
+                <a:latin typeface="Cascadia Code" panose="020B0609020000020004" pitchFamily="49" charset="0"/>
+              </a:rPr>
+              <a:t> </a:t>
+            </a:r>
+            <a:r>
+              <a:rPr lang="da-DK" b="0" dirty="0">
+                <a:solidFill>
+                  <a:srgbClr val="9CDCFE"/>
+                </a:solidFill>
+                <a:effectLst/>
+                <a:latin typeface="Cascadia Code" panose="020B0609020000020004" pitchFamily="49" charset="0"/>
+              </a:rPr>
+              <a:t>guess</a:t>
+            </a:r>
+            <a:r>
+              <a:rPr lang="da-DK" b="0" dirty="0">
+                <a:solidFill>
+                  <a:srgbClr val="D4D4D4"/>
+                </a:solidFill>
+                <a:effectLst/>
+                <a:latin typeface="Cascadia Code" panose="020B0609020000020004" pitchFamily="49" charset="0"/>
+              </a:rPr>
+              <a:t>)</a:t>
+            </a:r>
+          </a:p>
+          <a:p>
+            <a:r>
+              <a:rPr lang="da-DK" b="0" dirty="0">
+                <a:solidFill>
+                  <a:srgbClr val="D4D4D4"/>
+                </a:solidFill>
+                <a:effectLst/>
+                <a:latin typeface="Cascadia Code" panose="020B0609020000020004" pitchFamily="49" charset="0"/>
+              </a:rPr>
+              <a:t>    {</a:t>
+            </a:r>
+          </a:p>
+          <a:p>
+            <a:r>
+              <a:rPr lang="da-DK" b="0" dirty="0">
+                <a:solidFill>
+                  <a:srgbClr val="D4D4D4"/>
+                </a:solidFill>
+                <a:effectLst/>
+                <a:latin typeface="Cascadia Code" panose="020B0609020000020004" pitchFamily="49" charset="0"/>
+              </a:rPr>
+              <a:t>		 ...</a:t>
+            </a:r>
+            <a:br>
+              <a:rPr lang="da-DK" b="0" dirty="0">
+                <a:solidFill>
+                  <a:srgbClr val="D4D4D4"/>
+                </a:solidFill>
+                <a:effectLst/>
+                <a:latin typeface="Cascadia Code" panose="020B0609020000020004" pitchFamily="49" charset="0"/>
+              </a:rPr>
+            </a:br>
+            <a:r>
+              <a:rPr lang="da-DK" b="0" dirty="0">
+                <a:solidFill>
+                  <a:srgbClr val="D4D4D4"/>
+                </a:solidFill>
+                <a:effectLst/>
+                <a:latin typeface="Cascadia Code" panose="020B0609020000020004" pitchFamily="49" charset="0"/>
+              </a:rPr>
+              <a:t>        </a:t>
+            </a:r>
+            <a:r>
+              <a:rPr lang="da-DK" b="0" dirty="0">
+                <a:solidFill>
+                  <a:srgbClr val="C586C0"/>
+                </a:solidFill>
+                <a:effectLst/>
+                <a:latin typeface="Cascadia Code" panose="020B0609020000020004" pitchFamily="49" charset="0"/>
+              </a:rPr>
+              <a:t>for</a:t>
+            </a:r>
+            <a:r>
+              <a:rPr lang="da-DK" b="0" dirty="0">
+                <a:solidFill>
+                  <a:srgbClr val="D4D4D4"/>
+                </a:solidFill>
+                <a:effectLst/>
+                <a:latin typeface="Cascadia Code" panose="020B0609020000020004" pitchFamily="49" charset="0"/>
+              </a:rPr>
+              <a:t> (</a:t>
+            </a:r>
+            <a:r>
+              <a:rPr lang="da-DK" b="0" dirty="0">
+                <a:solidFill>
+                  <a:srgbClr val="569CD6"/>
+                </a:solidFill>
+                <a:effectLst/>
+                <a:latin typeface="Cascadia Code" panose="020B0609020000020004" pitchFamily="49" charset="0"/>
+              </a:rPr>
+              <a:t>int</a:t>
+            </a:r>
+            <a:r>
+              <a:rPr lang="da-DK" b="0" dirty="0">
+                <a:solidFill>
+                  <a:srgbClr val="D4D4D4"/>
+                </a:solidFill>
+                <a:effectLst/>
+                <a:latin typeface="Cascadia Code" panose="020B0609020000020004" pitchFamily="49" charset="0"/>
+              </a:rPr>
+              <a:t> </a:t>
+            </a:r>
+            <a:r>
+              <a:rPr lang="da-DK" b="0" dirty="0">
+                <a:solidFill>
+                  <a:srgbClr val="9CDCFE"/>
+                </a:solidFill>
+                <a:effectLst/>
+                <a:latin typeface="Cascadia Code" panose="020B0609020000020004" pitchFamily="49" charset="0"/>
+              </a:rPr>
+              <a:t>i</a:t>
+            </a:r>
+            <a:r>
+              <a:rPr lang="da-DK" b="0" dirty="0">
+                <a:solidFill>
+                  <a:srgbClr val="D4D4D4"/>
+                </a:solidFill>
+                <a:effectLst/>
+                <a:latin typeface="Cascadia Code" panose="020B0609020000020004" pitchFamily="49" charset="0"/>
+              </a:rPr>
+              <a:t> = </a:t>
+            </a:r>
+            <a:r>
+              <a:rPr lang="da-DK" b="0" dirty="0">
+                <a:solidFill>
+                  <a:srgbClr val="B5CEA8"/>
+                </a:solidFill>
+                <a:effectLst/>
+                <a:latin typeface="Cascadia Code" panose="020B0609020000020004" pitchFamily="49" charset="0"/>
+              </a:rPr>
+              <a:t>0</a:t>
+            </a:r>
+            <a:r>
+              <a:rPr lang="da-DK" b="0" dirty="0">
+                <a:solidFill>
+                  <a:srgbClr val="D4D4D4"/>
+                </a:solidFill>
+                <a:effectLst/>
+                <a:latin typeface="Cascadia Code" panose="020B0609020000020004" pitchFamily="49" charset="0"/>
+              </a:rPr>
+              <a:t>; </a:t>
+            </a:r>
+            <a:r>
+              <a:rPr lang="da-DK" b="0" dirty="0">
+                <a:solidFill>
+                  <a:srgbClr val="9CDCFE"/>
+                </a:solidFill>
+                <a:effectLst/>
+                <a:latin typeface="Cascadia Code" panose="020B0609020000020004" pitchFamily="49" charset="0"/>
+              </a:rPr>
+              <a:t>i</a:t>
+            </a:r>
+            <a:r>
+              <a:rPr lang="da-DK" b="0" dirty="0">
+                <a:solidFill>
+                  <a:srgbClr val="D4D4D4"/>
+                </a:solidFill>
+                <a:effectLst/>
+                <a:latin typeface="Cascadia Code" panose="020B0609020000020004" pitchFamily="49" charset="0"/>
+              </a:rPr>
+              <a:t> &lt; </a:t>
+            </a:r>
+            <a:r>
+              <a:rPr lang="da-DK" b="0" dirty="0">
+                <a:solidFill>
+                  <a:srgbClr val="B5CEA8"/>
+                </a:solidFill>
+                <a:effectLst/>
+                <a:latin typeface="Cascadia Code" panose="020B0609020000020004" pitchFamily="49" charset="0"/>
+              </a:rPr>
+              <a:t>5</a:t>
+            </a:r>
+            <a:r>
+              <a:rPr lang="da-DK" b="0" dirty="0">
+                <a:solidFill>
+                  <a:srgbClr val="D4D4D4"/>
+                </a:solidFill>
+                <a:effectLst/>
+                <a:latin typeface="Cascadia Code" panose="020B0609020000020004" pitchFamily="49" charset="0"/>
+              </a:rPr>
+              <a:t>; </a:t>
+            </a:r>
+            <a:r>
+              <a:rPr lang="da-DK" b="0" dirty="0">
+                <a:solidFill>
+                  <a:srgbClr val="9CDCFE"/>
+                </a:solidFill>
+                <a:effectLst/>
+                <a:latin typeface="Cascadia Code" panose="020B0609020000020004" pitchFamily="49" charset="0"/>
+              </a:rPr>
+              <a:t>i</a:t>
+            </a:r>
+            <a:r>
+              <a:rPr lang="da-DK" b="0" dirty="0">
+                <a:solidFill>
+                  <a:srgbClr val="D4D4D4"/>
+                </a:solidFill>
+                <a:effectLst/>
+                <a:latin typeface="Cascadia Code" panose="020B0609020000020004" pitchFamily="49" charset="0"/>
+              </a:rPr>
+              <a:t>++)</a:t>
+            </a:r>
+          </a:p>
+          <a:p>
+            <a:r>
+              <a:rPr lang="da-DK" b="0" dirty="0">
+                <a:solidFill>
+                  <a:srgbClr val="D4D4D4"/>
+                </a:solidFill>
+                <a:effectLst/>
+                <a:latin typeface="Cascadia Code" panose="020B0609020000020004" pitchFamily="49" charset="0"/>
+              </a:rPr>
+              <a:t>        {</a:t>
+            </a:r>
+          </a:p>
+          <a:p>
+            <a:r>
+              <a:rPr lang="da-DK" b="0" dirty="0">
+                <a:solidFill>
+                  <a:srgbClr val="D4D4D4"/>
+                </a:solidFill>
+                <a:effectLst/>
+                <a:latin typeface="Cascadia Code" panose="020B0609020000020004" pitchFamily="49" charset="0"/>
+              </a:rPr>
+              <a:t>            </a:t>
+            </a:r>
+            <a:r>
+              <a:rPr lang="da-DK" b="0" dirty="0">
+                <a:solidFill>
+                  <a:srgbClr val="C586C0"/>
+                </a:solidFill>
+                <a:effectLst/>
+                <a:latin typeface="Cascadia Code" panose="020B0609020000020004" pitchFamily="49" charset="0"/>
+              </a:rPr>
+              <a:t>if</a:t>
+            </a:r>
+            <a:r>
+              <a:rPr lang="da-DK" b="0" dirty="0">
+                <a:solidFill>
+                  <a:srgbClr val="D4D4D4"/>
+                </a:solidFill>
+                <a:effectLst/>
+                <a:latin typeface="Cascadia Code" panose="020B0609020000020004" pitchFamily="49" charset="0"/>
+              </a:rPr>
+              <a:t> (</a:t>
+            </a:r>
+            <a:r>
+              <a:rPr lang="da-DK" b="0" dirty="0">
+                <a:solidFill>
+                  <a:srgbClr val="9CDCFE"/>
+                </a:solidFill>
+                <a:effectLst/>
+                <a:latin typeface="Cascadia Code" panose="020B0609020000020004" pitchFamily="49" charset="0"/>
+              </a:rPr>
+              <a:t>guessChars</a:t>
+            </a:r>
+            <a:r>
+              <a:rPr lang="da-DK" b="0" dirty="0">
+                <a:solidFill>
+                  <a:srgbClr val="D4D4D4"/>
+                </a:solidFill>
+                <a:effectLst/>
+                <a:latin typeface="Cascadia Code" panose="020B0609020000020004" pitchFamily="49" charset="0"/>
+              </a:rPr>
+              <a:t>[</a:t>
+            </a:r>
+            <a:r>
+              <a:rPr lang="da-DK" b="0" dirty="0">
+                <a:solidFill>
+                  <a:srgbClr val="9CDCFE"/>
+                </a:solidFill>
+                <a:effectLst/>
+                <a:latin typeface="Cascadia Code" panose="020B0609020000020004" pitchFamily="49" charset="0"/>
+              </a:rPr>
+              <a:t>i</a:t>
+            </a:r>
+            <a:r>
+              <a:rPr lang="da-DK" b="0" dirty="0">
+                <a:solidFill>
+                  <a:srgbClr val="D4D4D4"/>
+                </a:solidFill>
+                <a:effectLst/>
+                <a:latin typeface="Cascadia Code" panose="020B0609020000020004" pitchFamily="49" charset="0"/>
+              </a:rPr>
+              <a:t>] == </a:t>
+            </a:r>
+            <a:r>
+              <a:rPr lang="da-DK" b="0" dirty="0">
+                <a:solidFill>
+                  <a:srgbClr val="9CDCFE"/>
+                </a:solidFill>
+                <a:effectLst/>
+                <a:latin typeface="Cascadia Code" panose="020B0609020000020004" pitchFamily="49" charset="0"/>
+              </a:rPr>
+              <a:t>goalChars</a:t>
+            </a:r>
+            <a:r>
+              <a:rPr lang="da-DK" b="0" dirty="0">
+                <a:solidFill>
+                  <a:srgbClr val="D4D4D4"/>
+                </a:solidFill>
+                <a:effectLst/>
+                <a:latin typeface="Cascadia Code" panose="020B0609020000020004" pitchFamily="49" charset="0"/>
+              </a:rPr>
+              <a:t>[</a:t>
+            </a:r>
+            <a:r>
+              <a:rPr lang="da-DK" b="0" dirty="0">
+                <a:solidFill>
+                  <a:srgbClr val="9CDCFE"/>
+                </a:solidFill>
+                <a:effectLst/>
+                <a:latin typeface="Cascadia Code" panose="020B0609020000020004" pitchFamily="49" charset="0"/>
+              </a:rPr>
+              <a:t>i</a:t>
+            </a:r>
+            <a:r>
+              <a:rPr lang="da-DK" b="0" dirty="0">
+                <a:solidFill>
+                  <a:srgbClr val="D4D4D4"/>
+                </a:solidFill>
+                <a:effectLst/>
+                <a:latin typeface="Cascadia Code" panose="020B0609020000020004" pitchFamily="49" charset="0"/>
+              </a:rPr>
+              <a:t>])</a:t>
+            </a:r>
+          </a:p>
+          <a:p>
+            <a:r>
+              <a:rPr lang="da-DK" b="0" dirty="0">
+                <a:solidFill>
+                  <a:srgbClr val="D4D4D4"/>
+                </a:solidFill>
+                <a:effectLst/>
+                <a:latin typeface="Cascadia Code" panose="020B0609020000020004" pitchFamily="49" charset="0"/>
+              </a:rPr>
+              <a:t>            {</a:t>
+            </a:r>
+          </a:p>
+          <a:p>
+            <a:r>
+              <a:rPr lang="da-DK" b="0" dirty="0">
+                <a:solidFill>
+                  <a:srgbClr val="D4D4D4"/>
+                </a:solidFill>
+                <a:effectLst/>
+                <a:latin typeface="Cascadia Code" panose="020B0609020000020004" pitchFamily="49" charset="0"/>
+              </a:rPr>
+              <a:t>                </a:t>
+            </a:r>
+            <a:r>
+              <a:rPr lang="da-DK" b="0" dirty="0">
+                <a:solidFill>
+                  <a:srgbClr val="9CDCFE"/>
+                </a:solidFill>
+                <a:effectLst/>
+                <a:latin typeface="Cascadia Code" panose="020B0609020000020004" pitchFamily="49" charset="0"/>
+              </a:rPr>
+              <a:t>result</a:t>
+            </a:r>
+            <a:r>
+              <a:rPr lang="da-DK" b="0" dirty="0">
+                <a:solidFill>
+                  <a:srgbClr val="D4D4D4"/>
+                </a:solidFill>
+                <a:effectLst/>
+                <a:latin typeface="Cascadia Code" panose="020B0609020000020004" pitchFamily="49" charset="0"/>
+              </a:rPr>
+              <a:t>[</a:t>
+            </a:r>
+            <a:r>
+              <a:rPr lang="da-DK" b="0" dirty="0">
+                <a:solidFill>
+                  <a:srgbClr val="9CDCFE"/>
+                </a:solidFill>
+                <a:effectLst/>
+                <a:latin typeface="Cascadia Code" panose="020B0609020000020004" pitchFamily="49" charset="0"/>
+              </a:rPr>
+              <a:t>i</a:t>
+            </a:r>
+            <a:r>
+              <a:rPr lang="da-DK" b="0" dirty="0">
+                <a:solidFill>
+                  <a:srgbClr val="D4D4D4"/>
+                </a:solidFill>
+                <a:effectLst/>
+                <a:latin typeface="Cascadia Code" panose="020B0609020000020004" pitchFamily="49" charset="0"/>
+              </a:rPr>
+              <a:t>] = (</a:t>
+            </a:r>
+            <a:r>
+              <a:rPr lang="da-DK" b="0" dirty="0">
+                <a:solidFill>
+                  <a:srgbClr val="4EC9B0"/>
+                </a:solidFill>
+                <a:effectLst/>
+                <a:latin typeface="Cascadia Code" panose="020B0609020000020004" pitchFamily="49" charset="0"/>
+              </a:rPr>
+              <a:t>ConsoleColor</a:t>
+            </a:r>
+            <a:r>
+              <a:rPr lang="da-DK" b="0" dirty="0">
+                <a:solidFill>
+                  <a:srgbClr val="D4D4D4"/>
+                </a:solidFill>
+                <a:effectLst/>
+                <a:latin typeface="Cascadia Code" panose="020B0609020000020004" pitchFamily="49" charset="0"/>
+              </a:rPr>
+              <a:t>.</a:t>
+            </a:r>
+            <a:r>
+              <a:rPr lang="da-DK" b="0" dirty="0">
+                <a:solidFill>
+                  <a:srgbClr val="4FC1FF"/>
+                </a:solidFill>
+                <a:effectLst/>
+                <a:latin typeface="Cascadia Code" panose="020B0609020000020004" pitchFamily="49" charset="0"/>
+              </a:rPr>
+              <a:t>Green</a:t>
+            </a:r>
+            <a:r>
+              <a:rPr lang="da-DK" b="0" dirty="0">
+                <a:solidFill>
+                  <a:srgbClr val="D4D4D4"/>
+                </a:solidFill>
+                <a:effectLst/>
+                <a:latin typeface="Cascadia Code" panose="020B0609020000020004" pitchFamily="49" charset="0"/>
+              </a:rPr>
+              <a:t>, </a:t>
+            </a:r>
+            <a:r>
+              <a:rPr lang="da-DK" b="0" dirty="0">
+                <a:solidFill>
+                  <a:srgbClr val="9CDCFE"/>
+                </a:solidFill>
+                <a:effectLst/>
+                <a:latin typeface="Cascadia Code" panose="020B0609020000020004" pitchFamily="49" charset="0"/>
+              </a:rPr>
+              <a:t>guessChars</a:t>
+            </a:r>
+            <a:r>
+              <a:rPr lang="da-DK" b="0" dirty="0">
+                <a:solidFill>
+                  <a:srgbClr val="D4D4D4"/>
+                </a:solidFill>
+                <a:effectLst/>
+                <a:latin typeface="Cascadia Code" panose="020B0609020000020004" pitchFamily="49" charset="0"/>
+              </a:rPr>
+              <a:t>[</a:t>
+            </a:r>
+            <a:r>
+              <a:rPr lang="da-DK" b="0" dirty="0">
+                <a:solidFill>
+                  <a:srgbClr val="9CDCFE"/>
+                </a:solidFill>
+                <a:effectLst/>
+                <a:latin typeface="Cascadia Code" panose="020B0609020000020004" pitchFamily="49" charset="0"/>
+              </a:rPr>
+              <a:t>i</a:t>
+            </a:r>
+            <a:r>
+              <a:rPr lang="da-DK" b="0" dirty="0">
+                <a:solidFill>
+                  <a:srgbClr val="D4D4D4"/>
+                </a:solidFill>
+                <a:effectLst/>
+                <a:latin typeface="Cascadia Code" panose="020B0609020000020004" pitchFamily="49" charset="0"/>
+              </a:rPr>
+              <a:t>]);</a:t>
+            </a:r>
+          </a:p>
+          <a:p>
+            <a:r>
+              <a:rPr lang="da-DK" b="0" dirty="0">
+                <a:solidFill>
+                  <a:srgbClr val="D4D4D4"/>
+                </a:solidFill>
+                <a:effectLst/>
+                <a:latin typeface="Cascadia Code" panose="020B0609020000020004" pitchFamily="49" charset="0"/>
+              </a:rPr>
+              <a:t>                </a:t>
+            </a:r>
+            <a:r>
+              <a:rPr lang="da-DK" b="0" dirty="0">
+                <a:solidFill>
+                  <a:srgbClr val="9CDCFE"/>
+                </a:solidFill>
+                <a:effectLst/>
+                <a:latin typeface="Cascadia Code" panose="020B0609020000020004" pitchFamily="49" charset="0"/>
+              </a:rPr>
+              <a:t>goalChars</a:t>
+            </a:r>
+            <a:r>
+              <a:rPr lang="da-DK" b="0" dirty="0">
+                <a:solidFill>
+                  <a:srgbClr val="D4D4D4"/>
+                </a:solidFill>
+                <a:effectLst/>
+                <a:latin typeface="Cascadia Code" panose="020B0609020000020004" pitchFamily="49" charset="0"/>
+              </a:rPr>
+              <a:t>[</a:t>
+            </a:r>
+            <a:r>
+              <a:rPr lang="da-DK" b="0" dirty="0">
+                <a:solidFill>
+                  <a:srgbClr val="9CDCFE"/>
+                </a:solidFill>
+                <a:effectLst/>
+                <a:latin typeface="Cascadia Code" panose="020B0609020000020004" pitchFamily="49" charset="0"/>
+              </a:rPr>
+              <a:t>i</a:t>
+            </a:r>
+            <a:r>
+              <a:rPr lang="da-DK" b="0" dirty="0">
+                <a:solidFill>
+                  <a:srgbClr val="D4D4D4"/>
+                </a:solidFill>
+                <a:effectLst/>
+                <a:latin typeface="Cascadia Code" panose="020B0609020000020004" pitchFamily="49" charset="0"/>
+              </a:rPr>
+              <a:t>] = </a:t>
+            </a:r>
+            <a:r>
+              <a:rPr lang="da-DK" b="0" dirty="0">
+                <a:solidFill>
+                  <a:srgbClr val="CE9178"/>
+                </a:solidFill>
+                <a:effectLst/>
+                <a:latin typeface="Cascadia Code" panose="020B0609020000020004" pitchFamily="49" charset="0"/>
+              </a:rPr>
+              <a:t>' '</a:t>
+            </a:r>
+            <a:r>
+              <a:rPr lang="da-DK" b="0" dirty="0">
+                <a:solidFill>
+                  <a:srgbClr val="D4D4D4"/>
+                </a:solidFill>
+                <a:effectLst/>
+                <a:latin typeface="Cascadia Code" panose="020B0609020000020004" pitchFamily="49" charset="0"/>
+              </a:rPr>
+              <a:t>;</a:t>
+            </a:r>
+          </a:p>
+          <a:p>
+            <a:r>
+              <a:rPr lang="da-DK" b="0" dirty="0">
+                <a:solidFill>
+                  <a:srgbClr val="D4D4D4"/>
+                </a:solidFill>
+                <a:effectLst/>
+                <a:latin typeface="Cascadia Code" panose="020B0609020000020004" pitchFamily="49" charset="0"/>
+              </a:rPr>
+              <a:t>                </a:t>
+            </a:r>
+            <a:r>
+              <a:rPr lang="da-DK" b="0" dirty="0">
+                <a:solidFill>
+                  <a:srgbClr val="C586C0"/>
+                </a:solidFill>
+                <a:effectLst/>
+                <a:latin typeface="Cascadia Code" panose="020B0609020000020004" pitchFamily="49" charset="0"/>
+              </a:rPr>
+              <a:t>continue</a:t>
+            </a:r>
+            <a:r>
+              <a:rPr lang="da-DK" b="0" dirty="0">
+                <a:solidFill>
+                  <a:srgbClr val="D4D4D4"/>
+                </a:solidFill>
+                <a:effectLst/>
+                <a:latin typeface="Cascadia Code" panose="020B0609020000020004" pitchFamily="49" charset="0"/>
+              </a:rPr>
+              <a:t>;</a:t>
+            </a:r>
+          </a:p>
+          <a:p>
+            <a:r>
+              <a:rPr lang="da-DK" b="0" dirty="0">
+                <a:solidFill>
+                  <a:srgbClr val="D4D4D4"/>
+                </a:solidFill>
+                <a:effectLst/>
+                <a:latin typeface="Cascadia Code" panose="020B0609020000020004" pitchFamily="49" charset="0"/>
+              </a:rPr>
+              <a:t>            }</a:t>
+            </a:r>
+          </a:p>
+          <a:p>
+            <a:r>
+              <a:rPr lang="da-DK" dirty="0">
+                <a:solidFill>
+                  <a:srgbClr val="D4D4D4"/>
+                </a:solidFill>
+                <a:latin typeface="Cascadia Code" panose="020B0609020000020004" pitchFamily="49" charset="0"/>
+              </a:rPr>
+              <a:t>			 </a:t>
+            </a:r>
+            <a:r>
+              <a:rPr lang="da-DK" b="0" dirty="0">
+                <a:solidFill>
+                  <a:srgbClr val="6A9955"/>
+                </a:solidFill>
+                <a:effectLst/>
+                <a:latin typeface="Cascadia Code" panose="020B0609020000020004" pitchFamily="49" charset="0"/>
+              </a:rPr>
+              <a:t>// Håntering af dele af gættet der ikke er perfekt</a:t>
+            </a:r>
+            <a:endParaRPr lang="da-DK" b="0" dirty="0">
+              <a:solidFill>
+                <a:srgbClr val="D4D4D4"/>
+              </a:solidFill>
+              <a:effectLst/>
+              <a:latin typeface="Cascadia Code" panose="020B0609020000020004" pitchFamily="49" charset="0"/>
+            </a:endParaRPr>
+          </a:p>
+          <a:p>
+            <a:r>
+              <a:rPr lang="da-DK" b="0" dirty="0">
+                <a:solidFill>
+                  <a:srgbClr val="D4D4D4"/>
+                </a:solidFill>
+                <a:effectLst/>
+                <a:latin typeface="Cascadia Code" panose="020B0609020000020004" pitchFamily="49" charset="0"/>
+              </a:rPr>
+              <a:t>        }</a:t>
+            </a:r>
+          </a:p>
+          <a:p>
+            <a:r>
+              <a:rPr lang="da-DK" b="0" dirty="0">
+                <a:solidFill>
+                  <a:srgbClr val="D4D4D4"/>
+                </a:solidFill>
+                <a:effectLst/>
+                <a:latin typeface="Cascadia Code" panose="020B0609020000020004" pitchFamily="49" charset="0"/>
+              </a:rPr>
+              <a:t>        </a:t>
+            </a:r>
+            <a:r>
+              <a:rPr lang="da-DK" b="0" dirty="0">
+                <a:solidFill>
+                  <a:srgbClr val="C586C0"/>
+                </a:solidFill>
+                <a:effectLst/>
+                <a:latin typeface="Cascadia Code" panose="020B0609020000020004" pitchFamily="49" charset="0"/>
+              </a:rPr>
+              <a:t>return</a:t>
+            </a:r>
+            <a:r>
+              <a:rPr lang="da-DK" b="0" dirty="0">
+                <a:solidFill>
+                  <a:srgbClr val="D4D4D4"/>
+                </a:solidFill>
+                <a:effectLst/>
+                <a:latin typeface="Cascadia Code" panose="020B0609020000020004" pitchFamily="49" charset="0"/>
+              </a:rPr>
+              <a:t> </a:t>
+            </a:r>
+            <a:r>
+              <a:rPr lang="da-DK" b="0" dirty="0">
+                <a:solidFill>
+                  <a:srgbClr val="9CDCFE"/>
+                </a:solidFill>
+                <a:effectLst/>
+                <a:latin typeface="Cascadia Code" panose="020B0609020000020004" pitchFamily="49" charset="0"/>
+              </a:rPr>
+              <a:t>result</a:t>
+            </a:r>
+            <a:r>
+              <a:rPr lang="da-DK" b="0" dirty="0">
+                <a:solidFill>
+                  <a:srgbClr val="D4D4D4"/>
+                </a:solidFill>
+                <a:effectLst/>
+                <a:latin typeface="Cascadia Code" panose="020B0609020000020004" pitchFamily="49" charset="0"/>
+              </a:rPr>
+              <a:t>;</a:t>
+            </a:r>
+          </a:p>
+          <a:p>
+            <a:r>
+              <a:rPr lang="da-DK" b="0" dirty="0">
+                <a:solidFill>
+                  <a:srgbClr val="D4D4D4"/>
+                </a:solidFill>
+                <a:effectLst/>
+                <a:latin typeface="Cascadia Code" panose="020B0609020000020004" pitchFamily="49" charset="0"/>
+              </a:rPr>
+              <a:t>    }</a:t>
+            </a:r>
+          </a:p>
+          <a:p>
+            <a:endParaRPr lang="da-DK" dirty="0"/>
+          </a:p>
+        </p:txBody>
+      </p:sp>
+    </p:spTree>
+    <p:extLst>
+      <p:ext uri="{BB962C8B-B14F-4D97-AF65-F5344CB8AC3E}">
+        <p14:creationId xmlns:p14="http://schemas.microsoft.com/office/powerpoint/2010/main" val="1810429655"/>
+      </p:ext>
+    </p:extLst>
+  </p:cSld>
+  <p:clrMapOvr>
+    <a:masterClrMapping/>
+  </p:clrMapOvr>
+</p:sld>
+</file>
+
+<file path=ppt/slides/slide4.xml><?xml version="1.0" encoding="utf-8"?>
+<p:sld xmlns:a="http://schemas.openxmlformats.org/drawingml/2006/main" xmlns:r="http://schemas.openxmlformats.org/officeDocument/2006/relationships" xmlns:p="http://schemas.openxmlformats.org/presentationml/2006/main">
+  <p:cSld>
+    <p:spTree>
+      <p:nvGrpSpPr>
+        <p:cNvPr id="1" name=""/>
+        <p:cNvGrpSpPr/>
+        <p:nvPr/>
+      </p:nvGrpSpPr>
+      <p:grpSpPr>
+        <a:xfrm>
+          <a:off x="0" y="0"/>
+          <a:ext cx="0" cy="0"/>
+          <a:chOff x="0" y="0"/>
+          <a:chExt cx="0" cy="0"/>
+        </a:xfrm>
+      </p:grpSpPr>
+      <p:sp>
+        <p:nvSpPr>
+          <p:cNvPr id="2" name="Title 1">
+            <a:extLst>
+              <a:ext uri="{FF2B5EF4-FFF2-40B4-BE49-F238E27FC236}">
                 <a16:creationId xmlns:a16="http://schemas.microsoft.com/office/drawing/2014/main" id="{0ACE904B-BB27-C512-C821-5C0769D6138D}"/>
               </a:ext>
             </a:extLst>
@@ -4685,6 +4751,195 @@
     <p:extLst>
       <p:ext uri="{BB962C8B-B14F-4D97-AF65-F5344CB8AC3E}">
         <p14:creationId xmlns:p14="http://schemas.microsoft.com/office/powerpoint/2010/main" val="1586965073"/>
+      </p:ext>
+    </p:extLst>
+  </p:cSld>
+  <p:clrMapOvr>
+    <a:masterClrMapping/>
+  </p:clrMapOvr>
+</p:sld>
+</file>
+
+<file path=ppt/slides/slide5.xml><?xml version="1.0" encoding="utf-8"?>
+<p:sld xmlns:a="http://schemas.openxmlformats.org/drawingml/2006/main" xmlns:r="http://schemas.openxmlformats.org/officeDocument/2006/relationships" xmlns:p="http://schemas.openxmlformats.org/presentationml/2006/main">
+  <p:cSld>
+    <p:spTree>
+      <p:nvGrpSpPr>
+        <p:cNvPr id="1" name=""/>
+        <p:cNvGrpSpPr/>
+        <p:nvPr/>
+      </p:nvGrpSpPr>
+      <p:grpSpPr>
+        <a:xfrm>
+          <a:off x="0" y="0"/>
+          <a:ext cx="0" cy="0"/>
+          <a:chOff x="0" y="0"/>
+          <a:chExt cx="0" cy="0"/>
+        </a:xfrm>
+      </p:grpSpPr>
+      <p:sp>
+        <p:nvSpPr>
+          <p:cNvPr id="2" name="Title 1">
+            <a:extLst>
+              <a:ext uri="{FF2B5EF4-FFF2-40B4-BE49-F238E27FC236}">
+                <a16:creationId xmlns:a16="http://schemas.microsoft.com/office/drawing/2014/main" id="{C936D35D-E975-1A54-D37B-6E935D4D36A1}"/>
+              </a:ext>
+            </a:extLst>
+          </p:cNvPr>
+          <p:cNvSpPr>
+            <a:spLocks noGrp="1"/>
+          </p:cNvSpPr>
+          <p:nvPr>
+            <p:ph type="title"/>
+          </p:nvPr>
+        </p:nvSpPr>
+        <p:spPr/>
+        <p:txBody>
+          <a:bodyPr/>
+          <a:lstStyle/>
+          <a:p>
+            <a:r>
+              <a:rPr lang="da-DK" dirty="0"/>
+              <a:t>Reflektioner	</a:t>
+            </a:r>
+          </a:p>
+        </p:txBody>
+      </p:sp>
+      <p:sp>
+        <p:nvSpPr>
+          <p:cNvPr id="3" name="Content Placeholder 2">
+            <a:extLst>
+              <a:ext uri="{FF2B5EF4-FFF2-40B4-BE49-F238E27FC236}">
+                <a16:creationId xmlns:a16="http://schemas.microsoft.com/office/drawing/2014/main" id="{5D130EAA-EEED-9BFE-61C6-1B8F5DB668EC}"/>
+              </a:ext>
+            </a:extLst>
+          </p:cNvPr>
+          <p:cNvSpPr>
+            <a:spLocks noGrp="1"/>
+          </p:cNvSpPr>
+          <p:nvPr>
+            <p:ph idx="1"/>
+          </p:nvPr>
+        </p:nvSpPr>
+        <p:spPr/>
+        <p:txBody>
+          <a:bodyPr/>
+          <a:lstStyle/>
+          <a:p>
+            <a:r>
+              <a:rPr lang="da-DK" dirty="0"/>
+              <a:t>Tilgang</a:t>
+            </a:r>
+          </a:p>
+          <a:p>
+            <a:pPr lvl="1"/>
+            <a:r>
+              <a:rPr lang="da-DK" dirty="0"/>
+              <a:t>MVC er lit overkill for project størrelsen</a:t>
+            </a:r>
+          </a:p>
+          <a:p>
+            <a:pPr lvl="1"/>
+            <a:endParaRPr lang="da-DK" dirty="0"/>
+          </a:p>
+        </p:txBody>
+      </p:sp>
+    </p:spTree>
+    <p:extLst>
+      <p:ext uri="{BB962C8B-B14F-4D97-AF65-F5344CB8AC3E}">
+        <p14:creationId xmlns:p14="http://schemas.microsoft.com/office/powerpoint/2010/main" val="3010942878"/>
+      </p:ext>
+    </p:extLst>
+  </p:cSld>
+  <p:clrMapOvr>
+    <a:masterClrMapping/>
+  </p:clrMapOvr>
+</p:sld>
+</file>
+
+<file path=ppt/slides/slide6.xml><?xml version="1.0" encoding="utf-8"?>
+<p:sld xmlns:a="http://schemas.openxmlformats.org/drawingml/2006/main" xmlns:r="http://schemas.openxmlformats.org/officeDocument/2006/relationships" xmlns:p="http://schemas.openxmlformats.org/presentationml/2006/main">
+  <p:cSld>
+    <p:spTree>
+      <p:nvGrpSpPr>
+        <p:cNvPr id="1" name=""/>
+        <p:cNvGrpSpPr/>
+        <p:nvPr/>
+      </p:nvGrpSpPr>
+      <p:grpSpPr>
+        <a:xfrm>
+          <a:off x="0" y="0"/>
+          <a:ext cx="0" cy="0"/>
+          <a:chOff x="0" y="0"/>
+          <a:chExt cx="0" cy="0"/>
+        </a:xfrm>
+      </p:grpSpPr>
+      <p:sp>
+        <p:nvSpPr>
+          <p:cNvPr id="2" name="Title 1">
+            <a:extLst>
+              <a:ext uri="{FF2B5EF4-FFF2-40B4-BE49-F238E27FC236}">
+                <a16:creationId xmlns:a16="http://schemas.microsoft.com/office/drawing/2014/main" id="{A0817446-A06B-FCD1-B62F-4C7E07E93623}"/>
+              </a:ext>
+            </a:extLst>
+          </p:cNvPr>
+          <p:cNvSpPr>
+            <a:spLocks noGrp="1"/>
+          </p:cNvSpPr>
+          <p:nvPr>
+            <p:ph type="title"/>
+          </p:nvPr>
+        </p:nvSpPr>
+        <p:spPr/>
+        <p:txBody>
+          <a:bodyPr/>
+          <a:lstStyle/>
+          <a:p>
+            <a:r>
+              <a:rPr lang="da-DK" dirty="0"/>
+              <a:t>Forbedringer/udvidelser</a:t>
+            </a:r>
+          </a:p>
+        </p:txBody>
+      </p:sp>
+      <p:sp>
+        <p:nvSpPr>
+          <p:cNvPr id="3" name="Content Placeholder 2">
+            <a:extLst>
+              <a:ext uri="{FF2B5EF4-FFF2-40B4-BE49-F238E27FC236}">
+                <a16:creationId xmlns:a16="http://schemas.microsoft.com/office/drawing/2014/main" id="{7B80BE97-9CAD-9EAD-506B-CFC1F31FAAA7}"/>
+              </a:ext>
+            </a:extLst>
+          </p:cNvPr>
+          <p:cNvSpPr>
+            <a:spLocks noGrp="1"/>
+          </p:cNvSpPr>
+          <p:nvPr>
+            <p:ph idx="1"/>
+          </p:nvPr>
+        </p:nvSpPr>
+        <p:spPr/>
+        <p:txBody>
+          <a:bodyPr/>
+          <a:lstStyle/>
+          <a:p>
+            <a:r>
+              <a:rPr lang="da-DK" dirty="0"/>
+              <a:t>Rigtig gui</a:t>
+            </a:r>
+          </a:p>
+          <a:p>
+            <a:r>
+              <a:rPr lang="da-DK"/>
+              <a:t>Mastermind?</a:t>
+            </a:r>
+          </a:p>
+        </p:txBody>
+      </p:sp>
+    </p:spTree>
+    <p:extLst>
+      <p:ext uri="{BB962C8B-B14F-4D97-AF65-F5344CB8AC3E}">
+        <p14:creationId xmlns:p14="http://schemas.microsoft.com/office/powerpoint/2010/main" val="3775656710"/>
       </p:ext>
     </p:extLst>
   </p:cSld>

--- a/Wordle.pptx
+++ b/Wordle.pptx
@@ -9,8 +9,8 @@
     <p:sldId id="259" r:id="rId3"/>
     <p:sldId id="257" r:id="rId4"/>
     <p:sldId id="258" r:id="rId5"/>
-    <p:sldId id="260" r:id="rId6"/>
-    <p:sldId id="261" r:id="rId7"/>
+    <p:sldId id="261" r:id="rId6"/>
+    <p:sldId id="260" r:id="rId7"/>
   </p:sldIdLst>
   <p:sldSz cx="12192000" cy="6858000"/>
   <p:notesSz cx="6858000" cy="9144000"/>
@@ -3162,7 +3162,7 @@
         <p:spPr>
           <a:xfrm>
             <a:off x="1003570" y="1690688"/>
-            <a:ext cx="10350230" cy="4524315"/>
+            <a:ext cx="10350230" cy="5078313"/>
           </a:xfrm>
           <a:prstGeom prst="rect">
             <a:avLst/>
@@ -3317,7 +3317,17 @@
                 <a:effectLst/>
                 <a:latin typeface="Cascadia Code" panose="020B0609020000020004" pitchFamily="49" charset="0"/>
               </a:rPr>
-              <a:t>		 ...</a:t>
+              <a:t>		 </a:t>
+            </a:r>
+            <a:r>
+              <a:rPr lang="da-DK" b="0" dirty="0">
+                <a:solidFill>
+                  <a:srgbClr val="6A9955"/>
+                </a:solidFill>
+                <a:effectLst/>
+                <a:latin typeface="Cascadia Code" panose="020B0609020000020004" pitchFamily="49" charset="0"/>
+              </a:rPr>
+              <a:t>// ... //</a:t>
             </a:r>
             <a:br>
               <a:rPr lang="da-DK" b="0" dirty="0">
@@ -3865,13 +3875,25 @@
           </a:p>
           <a:p>
             <a:r>
+              <a:rPr lang="da-DK" b="0" dirty="0">
+                <a:solidFill>
+                  <a:srgbClr val="D4D4D4"/>
+                </a:solidFill>
+                <a:effectLst/>
+                <a:latin typeface="Cascadia Code" panose="020B0609020000020004" pitchFamily="49" charset="0"/>
+              </a:rPr>
+              <a:t>        }</a:t>
+            </a:r>
+          </a:p>
+          <a:p>
+            <a:r>
               <a:rPr lang="da-DK" dirty="0">
                 <a:solidFill>
                   <a:srgbClr val="D4D4D4"/>
                 </a:solidFill>
                 <a:latin typeface="Cascadia Code" panose="020B0609020000020004" pitchFamily="49" charset="0"/>
               </a:rPr>
-              <a:t>			 </a:t>
+              <a:t>		 </a:t>
             </a:r>
             <a:r>
               <a:rPr lang="da-DK" b="0" dirty="0">
@@ -3881,7 +3903,39 @@
                 <a:effectLst/>
                 <a:latin typeface="Cascadia Code" panose="020B0609020000020004" pitchFamily="49" charset="0"/>
               </a:rPr>
-              <a:t>// Håntering af dele af gættet der ikke er perfekt</a:t>
+              <a:t>/* </a:t>
+            </a:r>
+          </a:p>
+          <a:p>
+            <a:r>
+              <a:rPr lang="da-DK" dirty="0">
+                <a:solidFill>
+                  <a:srgbClr val="6A9955"/>
+                </a:solidFill>
+                <a:latin typeface="Cascadia Code" panose="020B0609020000020004" pitchFamily="49" charset="0"/>
+              </a:rPr>
+              <a:t>         *</a:t>
+            </a:r>
+            <a:r>
+              <a:rPr lang="da-DK" b="0" dirty="0">
+                <a:solidFill>
+                  <a:srgbClr val="6A9955"/>
+                </a:solidFill>
+                <a:effectLst/>
+                <a:latin typeface="Cascadia Code" panose="020B0609020000020004" pitchFamily="49" charset="0"/>
+              </a:rPr>
+              <a:t>Håntering af dele af gættet der ikke er perfekt</a:t>
+            </a:r>
+          </a:p>
+          <a:p>
+            <a:r>
+              <a:rPr lang="da-DK" dirty="0">
+                <a:solidFill>
+                  <a:srgbClr val="6A9955"/>
+                </a:solidFill>
+                <a:latin typeface="Cascadia Code" panose="020B0609020000020004" pitchFamily="49" charset="0"/>
+              </a:rPr>
+              <a:t>		  */</a:t>
             </a:r>
             <a:endParaRPr lang="da-DK" b="0" dirty="0">
               <a:solidFill>
@@ -3890,18 +3944,6 @@
               <a:effectLst/>
               <a:latin typeface="Cascadia Code" panose="020B0609020000020004" pitchFamily="49" charset="0"/>
             </a:endParaRPr>
-          </a:p>
-          <a:p>
-            <a:r>
-              <a:rPr lang="da-DK" b="0" dirty="0">
-                <a:solidFill>
-                  <a:srgbClr val="D4D4D4"/>
-                </a:solidFill>
-                <a:effectLst/>
-                <a:latin typeface="Cascadia Code" panose="020B0609020000020004" pitchFamily="49" charset="0"/>
-              </a:rPr>
-              <a:t>        }</a:t>
-            </a:r>
           </a:p>
           <a:p>
             <a:r>
@@ -4782,7 +4824,7 @@
           <p:cNvPr id="2" name="Title 1">
             <a:extLst>
               <a:ext uri="{FF2B5EF4-FFF2-40B4-BE49-F238E27FC236}">
-                <a16:creationId xmlns:a16="http://schemas.microsoft.com/office/drawing/2014/main" id="{C936D35D-E975-1A54-D37B-6E935D4D36A1}"/>
+                <a16:creationId xmlns:a16="http://schemas.microsoft.com/office/drawing/2014/main" id="{A0817446-A06B-FCD1-B62F-4C7E07E93623}"/>
               </a:ext>
             </a:extLst>
           </p:cNvPr>
@@ -4800,7 +4842,7 @@
           <a:p>
             <a:r>
               <a:rPr lang="da-DK" dirty="0"/>
-              <a:t>Reflektioner	</a:t>
+              <a:t>Forbedringer/udvidelser</a:t>
             </a:r>
           </a:p>
         </p:txBody>
@@ -4810,7 +4852,7 @@
           <p:cNvPr id="3" name="Content Placeholder 2">
             <a:extLst>
               <a:ext uri="{FF2B5EF4-FFF2-40B4-BE49-F238E27FC236}">
-                <a16:creationId xmlns:a16="http://schemas.microsoft.com/office/drawing/2014/main" id="{5D130EAA-EEED-9BFE-61C6-1B8F5DB668EC}"/>
+                <a16:creationId xmlns:a16="http://schemas.microsoft.com/office/drawing/2014/main" id="{7B80BE97-9CAD-9EAD-506B-CFC1F31FAAA7}"/>
               </a:ext>
             </a:extLst>
           </p:cNvPr>
@@ -4828,26 +4870,27 @@
           <a:p>
             <a:r>
               <a:rPr lang="da-DK" dirty="0"/>
-              <a:t>Tilgang</a:t>
-            </a:r>
-          </a:p>
-          <a:p>
-            <a:pPr lvl="1"/>
+              <a:t>Rigtig gui</a:t>
+            </a:r>
+          </a:p>
+          <a:p>
             <a:r>
               <a:rPr lang="da-DK" dirty="0"/>
-              <a:t>MVC er lit overkill for project størrelsen</a:t>
-            </a:r>
-          </a:p>
-          <a:p>
-            <a:pPr lvl="1"/>
-            <a:endParaRPr lang="da-DK" dirty="0"/>
+              <a:t>Kun valide ord som input</a:t>
+            </a:r>
+          </a:p>
+          <a:p>
+            <a:r>
+              <a:rPr lang="da-DK" dirty="0"/>
+              <a:t>Mastermind?</a:t>
+            </a:r>
           </a:p>
         </p:txBody>
       </p:sp>
     </p:spTree>
     <p:extLst>
       <p:ext uri="{BB962C8B-B14F-4D97-AF65-F5344CB8AC3E}">
-        <p14:creationId xmlns:p14="http://schemas.microsoft.com/office/powerpoint/2010/main" val="3010942878"/>
+        <p14:creationId xmlns:p14="http://schemas.microsoft.com/office/powerpoint/2010/main" val="3775656710"/>
       </p:ext>
     </p:extLst>
   </p:cSld>
@@ -4879,7 +4922,7 @@
           <p:cNvPr id="2" name="Title 1">
             <a:extLst>
               <a:ext uri="{FF2B5EF4-FFF2-40B4-BE49-F238E27FC236}">
-                <a16:creationId xmlns:a16="http://schemas.microsoft.com/office/drawing/2014/main" id="{A0817446-A06B-FCD1-B62F-4C7E07E93623}"/>
+                <a16:creationId xmlns:a16="http://schemas.microsoft.com/office/drawing/2014/main" id="{C936D35D-E975-1A54-D37B-6E935D4D36A1}"/>
               </a:ext>
             </a:extLst>
           </p:cNvPr>
@@ -4897,7 +4940,7 @@
           <a:p>
             <a:r>
               <a:rPr lang="da-DK" dirty="0"/>
-              <a:t>Forbedringer/udvidelser</a:t>
+              <a:t>Reflektioner	</a:t>
             </a:r>
           </a:p>
         </p:txBody>
@@ -4907,7 +4950,7 @@
           <p:cNvPr id="3" name="Content Placeholder 2">
             <a:extLst>
               <a:ext uri="{FF2B5EF4-FFF2-40B4-BE49-F238E27FC236}">
-                <a16:creationId xmlns:a16="http://schemas.microsoft.com/office/drawing/2014/main" id="{7B80BE97-9CAD-9EAD-506B-CFC1F31FAAA7}"/>
+                <a16:creationId xmlns:a16="http://schemas.microsoft.com/office/drawing/2014/main" id="{5D130EAA-EEED-9BFE-61C6-1B8F5DB668EC}"/>
               </a:ext>
             </a:extLst>
           </p:cNvPr>
@@ -4925,21 +4968,26 @@
           <a:p>
             <a:r>
               <a:rPr lang="da-DK" dirty="0"/>
-              <a:t>Rigtig gui</a:t>
-            </a:r>
-          </a:p>
-          <a:p>
-            <a:r>
-              <a:rPr lang="da-DK"/>
-              <a:t>Mastermind?</a:t>
-            </a:r>
+              <a:t>Tilgang</a:t>
+            </a:r>
+          </a:p>
+          <a:p>
+            <a:pPr lvl="1"/>
+            <a:r>
+              <a:rPr lang="da-DK" dirty="0"/>
+              <a:t>MVC er lit overkill for project størrelsen</a:t>
+            </a:r>
+          </a:p>
+          <a:p>
+            <a:pPr lvl="1"/>
+            <a:endParaRPr lang="da-DK" dirty="0"/>
           </a:p>
         </p:txBody>
       </p:sp>
     </p:spTree>
     <p:extLst>
       <p:ext uri="{BB962C8B-B14F-4D97-AF65-F5344CB8AC3E}">
-        <p14:creationId xmlns:p14="http://schemas.microsoft.com/office/powerpoint/2010/main" val="3775656710"/>
+        <p14:creationId xmlns:p14="http://schemas.microsoft.com/office/powerpoint/2010/main" val="3010942878"/>
       </p:ext>
     </p:extLst>
   </p:cSld>
